--- a/1/Projeto de Desenvolvimento de Algoritmos/N2/Trabalho/Dicionários python.pptx
+++ b/1/Projeto de Desenvolvimento de Algoritmos/N2/Trabalho/Dicionários python.pptx
@@ -6,11 +6,11 @@
   </p:sldMasterIdLst>
   <p:sldIdLst>
     <p:sldId id="256" r:id="rId5"/>
-    <p:sldId id="259" r:id="rId6"/>
-    <p:sldId id="257" r:id="rId7"/>
-    <p:sldId id="258" r:id="rId8"/>
-    <p:sldId id="260" r:id="rId9"/>
-    <p:sldId id="261" r:id="rId10"/>
+    <p:sldId id="261" r:id="rId6"/>
+    <p:sldId id="259" r:id="rId7"/>
+    <p:sldId id="257" r:id="rId8"/>
+    <p:sldId id="258" r:id="rId9"/>
+    <p:sldId id="260" r:id="rId10"/>
     <p:sldId id="262" r:id="rId11"/>
     <p:sldId id="272" r:id="rId12"/>
     <p:sldId id="263" r:id="rId13"/>
@@ -22,6 +22,7 @@
     <p:sldId id="269" r:id="rId19"/>
     <p:sldId id="270" r:id="rId20"/>
     <p:sldId id="271" r:id="rId21"/>
+    <p:sldId id="273" r:id="rId22"/>
   </p:sldIdLst>
   <p:sldSz cx="12192000" cy="6858000"/>
   <p:notesSz cx="6858000" cy="9144000"/>
@@ -6191,6 +6192,54 @@
           </a:p>
         </p:txBody>
       </p:sp>
+      <p:sp>
+        <p:nvSpPr>
+          <p:cNvPr id="4" name="CaixaDeTexto 3">
+            <a:extLst>
+              <a:ext uri="{FF2B5EF4-FFF2-40B4-BE49-F238E27FC236}">
+                <a16:creationId xmlns:a16="http://schemas.microsoft.com/office/drawing/2014/main" id="{C90B46F5-5007-CA63-165E-CF1324B3EF2F}"/>
+              </a:ext>
+            </a:extLst>
+          </p:cNvPr>
+          <p:cNvSpPr txBox="1"/>
+          <p:nvPr/>
+        </p:nvSpPr>
+        <p:spPr>
+          <a:xfrm>
+            <a:off x="6354417" y="6102626"/>
+            <a:ext cx="5837583" cy="646331"/>
+          </a:xfrm>
+          <a:prstGeom prst="rect">
+            <a:avLst/>
+          </a:prstGeom>
+          <a:noFill/>
+          <a:ln>
+            <a:solidFill>
+              <a:schemeClr val="accent1"/>
+            </a:solidFill>
+          </a:ln>
+        </p:spPr>
+        <p:txBody>
+          <a:bodyPr wrap="square" rtlCol="0">
+            <a:spAutoFit/>
+          </a:bodyPr>
+          <a:lstStyle/>
+          <a:p>
+            <a:r>
+              <a:rPr lang="pt-BR" dirty="0"/>
+              <a:t>Carlos Eduardo, Larissa, Pedro </a:t>
+            </a:r>
+            <a:r>
+              <a:rPr lang="pt-BR" dirty="0" err="1"/>
+              <a:t>Henrico</a:t>
+            </a:r>
+            <a:r>
+              <a:rPr lang="pt-BR" dirty="0"/>
+              <a:t>, Guilherme Ribeiro, Orlando, Matheus.</a:t>
+            </a:r>
+          </a:p>
+        </p:txBody>
+      </p:sp>
     </p:spTree>
     <p:extLst>
       <p:ext uri="{BB962C8B-B14F-4D97-AF65-F5344CB8AC3E}">
@@ -7379,6 +7428,108 @@
 </p:sld>
 </file>
 
+<file path=ppt/slides/slide18.xml><?xml version="1.0" encoding="utf-8"?>
+<p:sld xmlns:a="http://schemas.openxmlformats.org/drawingml/2006/main" xmlns:r="http://schemas.openxmlformats.org/officeDocument/2006/relationships" xmlns:p="http://schemas.openxmlformats.org/presentationml/2006/main">
+  <p:cSld>
+    <p:spTree>
+      <p:nvGrpSpPr>
+        <p:cNvPr id="1" name=""/>
+        <p:cNvGrpSpPr/>
+        <p:nvPr/>
+      </p:nvGrpSpPr>
+      <p:grpSpPr>
+        <a:xfrm>
+          <a:off x="0" y="0"/>
+          <a:ext cx="0" cy="0"/>
+          <a:chOff x="0" y="0"/>
+          <a:chExt cx="0" cy="0"/>
+        </a:xfrm>
+      </p:grpSpPr>
+      <p:sp>
+        <p:nvSpPr>
+          <p:cNvPr id="2" name="Título 1">
+            <a:extLst>
+              <a:ext uri="{FF2B5EF4-FFF2-40B4-BE49-F238E27FC236}">
+                <a16:creationId xmlns:a16="http://schemas.microsoft.com/office/drawing/2014/main" id="{2C4A93CF-E4EB-12D2-9521-A6E99EF071DD}"/>
+              </a:ext>
+            </a:extLst>
+          </p:cNvPr>
+          <p:cNvSpPr>
+            <a:spLocks noGrp="1"/>
+          </p:cNvSpPr>
+          <p:nvPr>
+            <p:ph type="title"/>
+          </p:nvPr>
+        </p:nvSpPr>
+        <p:spPr/>
+        <p:txBody>
+          <a:bodyPr/>
+          <a:lstStyle/>
+          <a:p>
+            <a:r>
+              <a:rPr lang="pt-BR" dirty="0"/>
+              <a:t>Conclusão</a:t>
+            </a:r>
+          </a:p>
+        </p:txBody>
+      </p:sp>
+      <p:sp>
+        <p:nvSpPr>
+          <p:cNvPr id="3" name="Espaço Reservado para Conteúdo 2">
+            <a:extLst>
+              <a:ext uri="{FF2B5EF4-FFF2-40B4-BE49-F238E27FC236}">
+                <a16:creationId xmlns:a16="http://schemas.microsoft.com/office/drawing/2014/main" id="{3287ED3D-D02D-C849-A118-FD06589543BA}"/>
+              </a:ext>
+            </a:extLst>
+          </p:cNvPr>
+          <p:cNvSpPr>
+            <a:spLocks noGrp="1"/>
+          </p:cNvSpPr>
+          <p:nvPr>
+            <p:ph idx="1"/>
+          </p:nvPr>
+        </p:nvSpPr>
+        <p:spPr/>
+        <p:txBody>
+          <a:bodyPr/>
+          <a:lstStyle/>
+          <a:p>
+            <a:r>
+              <a:rPr lang="pt-BR" dirty="0"/>
+              <a:t>Concluímos que em comparação com </a:t>
+            </a:r>
+            <a:r>
+              <a:rPr lang="pt-BR"/>
+              <a:t>outros tipos, </a:t>
+            </a:r>
+            <a:r>
+              <a:rPr lang="pt-BR" dirty="0"/>
+              <a:t>o dicionário possui a característica de poder armazenar vários tipos de dados, entre eles listas, outros dicionários, </a:t>
+            </a:r>
+            <a:r>
+              <a:rPr lang="pt-BR" dirty="0" err="1"/>
+              <a:t>strings</a:t>
+            </a:r>
+            <a:r>
+              <a:rPr lang="pt-BR" dirty="0"/>
+              <a:t>, etc.. Então vai depender do que o usuário quer desenvolver e a maneira que ele manipular esses dados.</a:t>
+            </a:r>
+          </a:p>
+        </p:txBody>
+      </p:sp>
+    </p:spTree>
+    <p:extLst>
+      <p:ext uri="{BB962C8B-B14F-4D97-AF65-F5344CB8AC3E}">
+        <p14:creationId xmlns:p14="http://schemas.microsoft.com/office/powerpoint/2010/main" val="279427476"/>
+      </p:ext>
+    </p:extLst>
+  </p:cSld>
+  <p:clrMapOvr>
+    <a:masterClrMapping/>
+  </p:clrMapOvr>
+</p:sld>
+</file>
+
 <file path=ppt/slides/slide2.xml><?xml version="1.0" encoding="utf-8"?>
 <p:sld xmlns:a="http://schemas.openxmlformats.org/drawingml/2006/main" xmlns:r="http://schemas.openxmlformats.org/officeDocument/2006/relationships" xmlns:p="http://schemas.openxmlformats.org/presentationml/2006/main">
   <p:cSld>
@@ -7401,7 +7552,7 @@
           <p:cNvPr id="2" name="Título 1">
             <a:extLst>
               <a:ext uri="{FF2B5EF4-FFF2-40B4-BE49-F238E27FC236}">
-                <a16:creationId xmlns:a16="http://schemas.microsoft.com/office/drawing/2014/main" id="{B8CF7A51-33CB-32E0-1EB0-F3BC2666CA03}"/>
+                <a16:creationId xmlns:a16="http://schemas.microsoft.com/office/drawing/2014/main" id="{FF18CE33-C77C-B270-8E53-D2E6F8AB05CF}"/>
               </a:ext>
             </a:extLst>
           </p:cNvPr>
@@ -7412,12 +7563,7 @@
             <p:ph type="title"/>
           </p:nvPr>
         </p:nvSpPr>
-        <p:spPr>
-          <a:xfrm>
-            <a:off x="1393638" y="2728735"/>
-            <a:ext cx="9404723" cy="1400530"/>
-          </a:xfrm>
-        </p:spPr>
+        <p:spPr/>
         <p:txBody>
           <a:bodyPr/>
           <a:lstStyle/>
@@ -7425,7 +7571,142 @@
             <a:pPr algn="ctr"/>
             <a:r>
               <a:rPr lang="pt-BR" dirty="0"/>
-              <a:t>Características</a:t>
+              <a:t>Introdução</a:t>
+            </a:r>
+            <a:endParaRPr lang="en-US" dirty="0"/>
+          </a:p>
+        </p:txBody>
+      </p:sp>
+      <p:sp>
+        <p:nvSpPr>
+          <p:cNvPr id="3" name="Espaço Reservado para Conteúdo 2">
+            <a:extLst>
+              <a:ext uri="{FF2B5EF4-FFF2-40B4-BE49-F238E27FC236}">
+                <a16:creationId xmlns:a16="http://schemas.microsoft.com/office/drawing/2014/main" id="{9CAAC3C1-597A-7ACC-89AF-CFFBA5BEA96B}"/>
+              </a:ext>
+            </a:extLst>
+          </p:cNvPr>
+          <p:cNvSpPr>
+            <a:spLocks noGrp="1"/>
+          </p:cNvSpPr>
+          <p:nvPr>
+            <p:ph idx="1"/>
+          </p:nvPr>
+        </p:nvSpPr>
+        <p:spPr/>
+        <p:txBody>
+          <a:bodyPr/>
+          <a:lstStyle/>
+          <a:p>
+            <a:r>
+              <a:rPr lang="pt-BR" b="0" i="0" dirty="0">
+                <a:solidFill>
+                  <a:srgbClr val="C9D1D9"/>
+                </a:solidFill>
+                <a:effectLst/>
+                <a:latin typeface="ui-monospace"/>
+              </a:rPr>
+              <a:t>Os dicionários são coleções de itens e seus elementos são armazenados de forma não ordenada.</a:t>
+            </a:r>
+          </a:p>
+          <a:p>
+            <a:r>
+              <a:rPr lang="pt-BR" b="0" i="0" dirty="0">
+                <a:solidFill>
+                  <a:srgbClr val="C9D1D9"/>
+                </a:solidFill>
+                <a:effectLst/>
+                <a:latin typeface="ui-monospace"/>
+              </a:rPr>
+              <a:t>Seus elementos contém uma chave e valor, isto é:</a:t>
+            </a:r>
+            <a:endParaRPr lang="pt-BR" dirty="0">
+              <a:solidFill>
+                <a:srgbClr val="C9D1D9"/>
+              </a:solidFill>
+              <a:latin typeface="ui-monospace"/>
+            </a:endParaRPr>
+          </a:p>
+          <a:p>
+            <a:r>
+              <a:rPr lang="pt-BR" b="0" i="0" dirty="0">
+                <a:solidFill>
+                  <a:srgbClr val="C9D1D9"/>
+                </a:solidFill>
+                <a:effectLst/>
+                <a:latin typeface="ui-monospace"/>
+              </a:rPr>
+              <a:t>Uma chave que vai servir para posicionar</a:t>
+            </a:r>
+            <a:r>
+              <a:rPr lang="pt-BR" dirty="0">
+                <a:solidFill>
+                  <a:srgbClr val="C9D1D9"/>
+                </a:solidFill>
+                <a:latin typeface="ui-monospace"/>
+              </a:rPr>
+              <a:t> um</a:t>
+            </a:r>
+            <a:r>
+              <a:rPr lang="pt-BR" b="0" i="0" dirty="0">
+                <a:solidFill>
+                  <a:srgbClr val="C9D1D9"/>
+                </a:solidFill>
+                <a:effectLst/>
+                <a:latin typeface="ui-monospace"/>
+              </a:rPr>
+              <a:t> determinado elemento no dicionário.</a:t>
+            </a:r>
+          </a:p>
+          <a:p>
+            <a:r>
+              <a:rPr lang="pt-BR" b="0" i="0" dirty="0">
+                <a:solidFill>
+                  <a:srgbClr val="C9D1D9"/>
+                </a:solidFill>
+                <a:effectLst/>
+                <a:latin typeface="ui-monospace"/>
+              </a:rPr>
+              <a:t>Um valor que contém um valor</a:t>
+            </a:r>
+            <a:r>
+              <a:rPr lang="pt-BR" dirty="0">
+                <a:solidFill>
+                  <a:srgbClr val="C9D1D9"/>
+                </a:solidFill>
+                <a:latin typeface="ui-monospace"/>
+              </a:rPr>
+              <a:t> que </a:t>
+            </a:r>
+            <a:r>
+              <a:rPr lang="pt-BR" b="0" i="0" dirty="0">
+                <a:solidFill>
+                  <a:srgbClr val="C9D1D9"/>
+                </a:solidFill>
+                <a:effectLst/>
+                <a:latin typeface="ui-monospace"/>
+              </a:rPr>
+              <a:t> aceita diversos tipos de elementos como: listas, outros dicionários, inteiros, </a:t>
+            </a:r>
+            <a:r>
+              <a:rPr lang="pt-BR" b="0" i="0" dirty="0" err="1">
+                <a:solidFill>
+                  <a:srgbClr val="C9D1D9"/>
+                </a:solidFill>
+                <a:effectLst/>
+                <a:latin typeface="ui-monospace"/>
+              </a:rPr>
+              <a:t>strings</a:t>
+            </a:r>
+            <a:r>
+              <a:rPr lang="pt-BR" b="0" i="0" dirty="0">
+                <a:solidFill>
+                  <a:srgbClr val="C9D1D9"/>
+                </a:solidFill>
+                <a:effectLst/>
+                <a:latin typeface="ui-monospace"/>
+              </a:rPr>
+              <a:t> e etc.</a:t>
             </a:r>
             <a:endParaRPr lang="en-US" dirty="0"/>
           </a:p>
@@ -7434,7 +7715,7 @@
     </p:spTree>
     <p:extLst>
       <p:ext uri="{BB962C8B-B14F-4D97-AF65-F5344CB8AC3E}">
-        <p14:creationId xmlns:p14="http://schemas.microsoft.com/office/powerpoint/2010/main" val="1249483199"/>
+        <p14:creationId xmlns:p14="http://schemas.microsoft.com/office/powerpoint/2010/main" val="2960394574"/>
       </p:ext>
     </p:extLst>
   </p:cSld>
@@ -7466,7 +7747,7 @@
           <p:cNvPr id="2" name="Título 1">
             <a:extLst>
               <a:ext uri="{FF2B5EF4-FFF2-40B4-BE49-F238E27FC236}">
-                <a16:creationId xmlns:a16="http://schemas.microsoft.com/office/drawing/2014/main" id="{7D96C32E-1A84-18A1-8DE5-2265213983B7}"/>
+                <a16:creationId xmlns:a16="http://schemas.microsoft.com/office/drawing/2014/main" id="{B8CF7A51-33CB-32E0-1EB0-F3BC2666CA03}"/>
               </a:ext>
             </a:extLst>
           </p:cNvPr>
@@ -7477,184 +7758,21 @@
             <p:ph type="title"/>
           </p:nvPr>
         </p:nvSpPr>
-        <p:spPr/>
+        <p:spPr>
+          <a:xfrm>
+            <a:off x="1393638" y="2728735"/>
+            <a:ext cx="9404723" cy="1400530"/>
+          </a:xfrm>
+        </p:spPr>
         <p:txBody>
           <a:bodyPr/>
           <a:lstStyle/>
           <a:p>
             <a:pPr algn="ctr"/>
             <a:r>
-              <a:rPr lang="en-US" b="0" i="0" dirty="0" err="1">
-                <a:solidFill>
-                  <a:srgbClr val="C9D1D9"/>
-                </a:solidFill>
-                <a:effectLst/>
-              </a:rPr>
+              <a:rPr lang="pt-BR" dirty="0"/>
               <a:t>Características</a:t>
             </a:r>
-            <a:endParaRPr lang="en-US" dirty="0"/>
-          </a:p>
-        </p:txBody>
-      </p:sp>
-      <p:sp>
-        <p:nvSpPr>
-          <p:cNvPr id="3" name="Espaço Reservado para Conteúdo 2">
-            <a:extLst>
-              <a:ext uri="{FF2B5EF4-FFF2-40B4-BE49-F238E27FC236}">
-                <a16:creationId xmlns:a16="http://schemas.microsoft.com/office/drawing/2014/main" id="{2CD8E023-535F-E672-4D67-3B5A2DBADB8F}"/>
-              </a:ext>
-            </a:extLst>
-          </p:cNvPr>
-          <p:cNvSpPr>
-            <a:spLocks noGrp="1"/>
-          </p:cNvSpPr>
-          <p:nvPr>
-            <p:ph idx="1"/>
-          </p:nvPr>
-        </p:nvSpPr>
-        <p:spPr>
-          <a:xfrm>
-            <a:off x="1104293" y="1585232"/>
-            <a:ext cx="8946541" cy="5272768"/>
-          </a:xfrm>
-        </p:spPr>
-        <p:txBody>
-          <a:bodyPr/>
-          <a:lstStyle/>
-          <a:p>
-            <a:r>
-              <a:rPr lang="pt-BR" b="0" i="0" dirty="0">
-                <a:solidFill>
-                  <a:srgbClr val="C9D1D9"/>
-                </a:solidFill>
-                <a:effectLst/>
-                <a:latin typeface="ui-monospace"/>
-              </a:rPr>
-              <a:t>Seus elementos contém uma chave e valor, isto é:</a:t>
-            </a:r>
-          </a:p>
-          <a:p>
-            <a:r>
-              <a:rPr lang="pt-BR" b="0" i="0" dirty="0">
-                <a:solidFill>
-                  <a:srgbClr val="C9D1D9"/>
-                </a:solidFill>
-                <a:effectLst/>
-                <a:latin typeface="ui-monospace"/>
-              </a:rPr>
-              <a:t>Uma chave que vai servir para indexar (posicionar) determinado elemento no dicionário.</a:t>
-            </a:r>
-            <a:endParaRPr lang="pt-BR" dirty="0">
-              <a:solidFill>
-                <a:srgbClr val="C9D1D9"/>
-              </a:solidFill>
-              <a:latin typeface="ui-monospace"/>
-            </a:endParaRPr>
-          </a:p>
-          <a:p>
-            <a:r>
-              <a:rPr lang="pt-BR" b="0" i="0" dirty="0">
-                <a:solidFill>
-                  <a:srgbClr val="C9D1D9"/>
-                </a:solidFill>
-                <a:effectLst/>
-                <a:latin typeface="ui-monospace"/>
-              </a:rPr>
-              <a:t>Um valor que pode conter diversos tipos: listas, outros dicionários, inteiros, </a:t>
-            </a:r>
-            <a:r>
-              <a:rPr lang="pt-BR" b="0" i="0" dirty="0" err="1">
-                <a:solidFill>
-                  <a:srgbClr val="C9D1D9"/>
-                </a:solidFill>
-                <a:effectLst/>
-                <a:latin typeface="ui-monospace"/>
-              </a:rPr>
-              <a:t>strings</a:t>
-            </a:r>
-            <a:r>
-              <a:rPr lang="pt-BR" b="0" i="0" dirty="0">
-                <a:solidFill>
-                  <a:srgbClr val="C9D1D9"/>
-                </a:solidFill>
-                <a:effectLst/>
-                <a:latin typeface="ui-monospace"/>
-              </a:rPr>
-              <a:t> e etc.</a:t>
-            </a:r>
-          </a:p>
-          <a:p>
-            <a:r>
-              <a:rPr lang="pt-BR" b="0" i="0" dirty="0">
-                <a:solidFill>
-                  <a:srgbClr val="C9D1D9"/>
-                </a:solidFill>
-                <a:effectLst/>
-                <a:latin typeface="ui-monospace"/>
-              </a:rPr>
-              <a:t>Usamos chaves ({}) para construir nossos dicionários. Neste caso, falamos para o Python, que a chave ({}) possuí o valor (:).</a:t>
-            </a:r>
-            <a:endParaRPr lang="pt-BR" dirty="0">
-              <a:solidFill>
-                <a:srgbClr val="C9D1D9"/>
-              </a:solidFill>
-              <a:latin typeface="ui-monospace"/>
-            </a:endParaRPr>
-          </a:p>
-          <a:p>
-            <a:r>
-              <a:rPr lang="pt-BR" b="0" i="0" dirty="0">
-                <a:solidFill>
-                  <a:srgbClr val="C9D1D9"/>
-                </a:solidFill>
-                <a:effectLst/>
-                <a:latin typeface="ui-monospace"/>
-              </a:rPr>
-              <a:t>É possível inserir um item em um dicionário com chave e valor simplesmente fazendo a operação direta: chave = {valor:00}</a:t>
-            </a:r>
-          </a:p>
-          <a:p>
-            <a:r>
-              <a:rPr lang="pt-BR" b="0" i="0" dirty="0">
-                <a:solidFill>
-                  <a:srgbClr val="C9D1D9"/>
-                </a:solidFill>
-                <a:effectLst/>
-                <a:latin typeface="ui-monospace"/>
-              </a:rPr>
-              <a:t>O tipo da chave é imutável, ou seja, uma vez determinado que uma chave seja </a:t>
-            </a:r>
-            <a:r>
-              <a:rPr lang="pt-BR" b="0" i="0" dirty="0" err="1">
-                <a:solidFill>
-                  <a:srgbClr val="C9D1D9"/>
-                </a:solidFill>
-                <a:effectLst/>
-                <a:latin typeface="ui-monospace"/>
-              </a:rPr>
-              <a:t>string</a:t>
-            </a:r>
-            <a:r>
-              <a:rPr lang="pt-BR" b="0" i="0" dirty="0">
-                <a:solidFill>
-                  <a:srgbClr val="C9D1D9"/>
-                </a:solidFill>
-                <a:effectLst/>
-                <a:latin typeface="ui-monospace"/>
-              </a:rPr>
-              <a:t>, ela não poderá ser alterada.</a:t>
-            </a:r>
-          </a:p>
-          <a:p>
-            <a:endParaRPr lang="pt-BR" b="0" i="0" dirty="0">
-              <a:solidFill>
-                <a:srgbClr val="C9D1D9"/>
-              </a:solidFill>
-              <a:effectLst/>
-              <a:latin typeface="ui-monospace"/>
-            </a:endParaRPr>
-          </a:p>
-          <a:p>
             <a:endParaRPr lang="en-US" dirty="0"/>
           </a:p>
         </p:txBody>
@@ -7662,7 +7780,7 @@
     </p:spTree>
     <p:extLst>
       <p:ext uri="{BB962C8B-B14F-4D97-AF65-F5344CB8AC3E}">
-        <p14:creationId xmlns:p14="http://schemas.microsoft.com/office/powerpoint/2010/main" val="2947629483"/>
+        <p14:creationId xmlns:p14="http://schemas.microsoft.com/office/powerpoint/2010/main" val="1249483199"/>
       </p:ext>
     </p:extLst>
   </p:cSld>
@@ -7694,7 +7812,7 @@
           <p:cNvPr id="2" name="Título 1">
             <a:extLst>
               <a:ext uri="{FF2B5EF4-FFF2-40B4-BE49-F238E27FC236}">
-                <a16:creationId xmlns:a16="http://schemas.microsoft.com/office/drawing/2014/main" id="{93534816-49C9-A5A5-BACE-381FD4CBF5D1}"/>
+                <a16:creationId xmlns:a16="http://schemas.microsoft.com/office/drawing/2014/main" id="{7D96C32E-1A84-18A1-8DE5-2265213983B7}"/>
               </a:ext>
             </a:extLst>
           </p:cNvPr>
@@ -7712,7 +7830,12 @@
           <a:p>
             <a:pPr algn="ctr"/>
             <a:r>
-              <a:rPr lang="pt-BR" dirty="0"/>
+              <a:rPr lang="en-US" b="0" i="0" dirty="0" err="1">
+                <a:solidFill>
+                  <a:srgbClr val="C9D1D9"/>
+                </a:solidFill>
+                <a:effectLst/>
+              </a:rPr>
               <a:t>Características</a:t>
             </a:r>
             <a:endParaRPr lang="en-US" dirty="0"/>
@@ -7724,7 +7847,7 @@
           <p:cNvPr id="3" name="Espaço Reservado para Conteúdo 2">
             <a:extLst>
               <a:ext uri="{FF2B5EF4-FFF2-40B4-BE49-F238E27FC236}">
-                <a16:creationId xmlns:a16="http://schemas.microsoft.com/office/drawing/2014/main" id="{17B7E7AE-DDF3-B27A-A4E0-D0F0530CAE5C}"/>
+                <a16:creationId xmlns:a16="http://schemas.microsoft.com/office/drawing/2014/main" id="{2CD8E023-535F-E672-4D67-3B5A2DBADB8F}"/>
               </a:ext>
             </a:extLst>
           </p:cNvPr>
@@ -7737,14 +7860,12 @@
         </p:nvSpPr>
         <p:spPr>
           <a:xfrm>
-            <a:off x="1104293" y="1526796"/>
-            <a:ext cx="8946541" cy="4819475"/>
+            <a:off x="1104293" y="1585232"/>
+            <a:ext cx="8946541" cy="5272768"/>
           </a:xfrm>
         </p:spPr>
         <p:txBody>
-          <a:bodyPr>
-            <a:normAutofit/>
-          </a:bodyPr>
+          <a:bodyPr/>
           <a:lstStyle/>
           <a:p>
             <a:r>
@@ -7755,7 +7876,7 @@
                 <a:effectLst/>
                 <a:latin typeface="ui-monospace"/>
               </a:rPr>
-              <a:t>Os elementos de um dicionário são armazenados de forma não ordenada, pois os elementos de cada chave são exclusivos daquela chave.</a:t>
+              <a:t>Seus elementos contém uma chave e valor, isto é:</a:t>
             </a:r>
           </a:p>
           <a:p>
@@ -7767,71 +7888,7 @@
                 <a:effectLst/>
                 <a:latin typeface="ui-monospace"/>
               </a:rPr>
-              <a:t>Porém, é possível duplicar o mesmo valor á chaves diferentes.</a:t>
-            </a:r>
-          </a:p>
-          <a:p>
-            <a:r>
-              <a:rPr lang="pt-BR" b="0" i="0" dirty="0">
-                <a:solidFill>
-                  <a:srgbClr val="C9D1D9"/>
-                </a:solidFill>
-                <a:effectLst/>
-                <a:latin typeface="ui-monospace"/>
-              </a:rPr>
-              <a:t>Dicionários também são mutáveis. isso significa que o dicionário pode ser modificado pela referência a uma associação no lado esquerdo de um comando de atribuição. Podemos redefinir o valor de uma chave ou deletar uma chave valor, com o comando "</a:t>
-            </a:r>
-            <a:r>
-              <a:rPr lang="pt-BR" b="0" i="0" dirty="0" err="1">
-                <a:solidFill>
-                  <a:srgbClr val="C9D1D9"/>
-                </a:solidFill>
-                <a:effectLst/>
-                <a:latin typeface="ui-monospace"/>
-              </a:rPr>
-              <a:t>del</a:t>
-            </a:r>
-            <a:r>
-              <a:rPr lang="pt-BR" b="0" i="0" dirty="0">
-                <a:solidFill>
-                  <a:srgbClr val="C9D1D9"/>
-                </a:solidFill>
-                <a:effectLst/>
-                <a:latin typeface="ui-monospace"/>
-              </a:rPr>
-              <a:t>".</a:t>
-            </a:r>
-          </a:p>
-          <a:p>
-            <a:r>
-              <a:rPr lang="pt-BR" b="0" i="0" dirty="0">
-                <a:solidFill>
-                  <a:srgbClr val="C9D1D9"/>
-                </a:solidFill>
-                <a:effectLst/>
-                <a:latin typeface="ui-monospace"/>
-              </a:rPr>
-              <a:t>É possível também deletar um único valor dentro </a:t>
-            </a:r>
-            <a:r>
-              <a:rPr lang="pt-BR" b="0" i="0" dirty="0" err="1">
-                <a:solidFill>
-                  <a:srgbClr val="C9D1D9"/>
-                </a:solidFill>
-                <a:effectLst/>
-                <a:latin typeface="ui-monospace"/>
-              </a:rPr>
-              <a:t>cda</a:t>
-            </a:r>
-            <a:r>
-              <a:rPr lang="pt-BR" b="0" i="0" dirty="0">
-                <a:solidFill>
-                  <a:srgbClr val="C9D1D9"/>
-                </a:solidFill>
-                <a:effectLst/>
-                <a:latin typeface="ui-monospace"/>
-              </a:rPr>
-              <a:t> chave, com o comando pop(), que irá receber a chave e o valor indicado e irá exclui-lo.</a:t>
+              <a:t>Uma chave que vai servir para indexar (posicionar) determinado elemento no dicionário.</a:t>
             </a:r>
             <a:endParaRPr lang="pt-BR" dirty="0">
               <a:solidFill>
@@ -7849,8 +7906,149 @@
                 <a:effectLst/>
                 <a:latin typeface="ui-monospace"/>
               </a:rPr>
-              <a:t>Também é possível juntar dois dicionários com o comando update(), onde dois dicionários diferentes se unirão, subscrevendo o dicionário original.</a:t>
-            </a:r>
+              <a:t>Um valor que pode conter diversos tipos: listas, outros dicionários, inteiros, </a:t>
+            </a:r>
+            <a:r>
+              <a:rPr lang="pt-BR" b="0" i="0" dirty="0" err="1">
+                <a:solidFill>
+                  <a:srgbClr val="C9D1D9"/>
+                </a:solidFill>
+                <a:effectLst/>
+                <a:latin typeface="ui-monospace"/>
+              </a:rPr>
+              <a:t>strings</a:t>
+            </a:r>
+            <a:r>
+              <a:rPr lang="pt-BR" b="0" i="0" dirty="0">
+                <a:solidFill>
+                  <a:srgbClr val="C9D1D9"/>
+                </a:solidFill>
+                <a:effectLst/>
+                <a:latin typeface="ui-monospace"/>
+              </a:rPr>
+              <a:t> e etc.</a:t>
+            </a:r>
+          </a:p>
+          <a:p>
+            <a:r>
+              <a:rPr lang="pt-BR" b="0" i="0" dirty="0">
+                <a:solidFill>
+                  <a:srgbClr val="C9D1D9"/>
+                </a:solidFill>
+                <a:effectLst/>
+                <a:latin typeface="ui-monospace"/>
+              </a:rPr>
+              <a:t>Usamos chaves ({}) para construir nossos dicionários. Neste caso, falamos para o Python, que a chave ({}) possuí o valor (:).</a:t>
+            </a:r>
+            <a:endParaRPr lang="pt-BR" dirty="0">
+              <a:solidFill>
+                <a:srgbClr val="C9D1D9"/>
+              </a:solidFill>
+              <a:latin typeface="ui-monospace"/>
+            </a:endParaRPr>
+          </a:p>
+          <a:p>
+            <a:r>
+              <a:rPr lang="pt-BR" b="0" i="0" dirty="0">
+                <a:solidFill>
+                  <a:srgbClr val="C9D1D9"/>
+                </a:solidFill>
+                <a:effectLst/>
+                <a:latin typeface="ui-monospace"/>
+              </a:rPr>
+              <a:t>É possível inserir um item em um dicionário com chave e valor simplesmente fazendo a operação direta: </a:t>
+            </a:r>
+            <a:r>
+              <a:rPr lang="pt-BR" dirty="0" err="1">
+                <a:solidFill>
+                  <a:srgbClr val="C9D1D9"/>
+                </a:solidFill>
+                <a:latin typeface="ui-monospace"/>
+              </a:rPr>
+              <a:t>dicio</a:t>
+            </a:r>
+            <a:r>
+              <a:rPr lang="pt-BR" b="0" i="0" dirty="0">
+                <a:solidFill>
+                  <a:srgbClr val="C9D1D9"/>
+                </a:solidFill>
+                <a:effectLst/>
+                <a:latin typeface="ui-monospace"/>
+              </a:rPr>
+              <a:t> = {</a:t>
+            </a:r>
+            <a:r>
+              <a:rPr lang="pt-BR" dirty="0" err="1">
+                <a:solidFill>
+                  <a:srgbClr val="C9D1D9"/>
+                </a:solidFill>
+                <a:latin typeface="ui-monospace"/>
+              </a:rPr>
+              <a:t>chave</a:t>
+            </a:r>
+            <a:r>
+              <a:rPr lang="pt-BR" b="0" i="0" dirty="0" err="1">
+                <a:solidFill>
+                  <a:srgbClr val="C9D1D9"/>
+                </a:solidFill>
+                <a:effectLst/>
+                <a:latin typeface="ui-monospace"/>
+              </a:rPr>
+              <a:t>:valor</a:t>
+            </a:r>
+            <a:r>
+              <a:rPr lang="pt-BR" b="0" i="0" dirty="0">
+                <a:solidFill>
+                  <a:srgbClr val="C9D1D9"/>
+                </a:solidFill>
+                <a:effectLst/>
+                <a:latin typeface="ui-monospace"/>
+              </a:rPr>
+              <a:t>}</a:t>
+            </a:r>
+          </a:p>
+          <a:p>
+            <a:r>
+              <a:rPr lang="pt-BR" b="0" i="0" dirty="0">
+                <a:solidFill>
+                  <a:srgbClr val="C9D1D9"/>
+                </a:solidFill>
+                <a:effectLst/>
+                <a:latin typeface="ui-monospace"/>
+              </a:rPr>
+              <a:t>O tipo da chave é imutável, ou seja, uma vez determinado que uma chave seja </a:t>
+            </a:r>
+            <a:r>
+              <a:rPr lang="pt-BR" b="0" i="0" dirty="0" err="1">
+                <a:solidFill>
+                  <a:srgbClr val="C9D1D9"/>
+                </a:solidFill>
+                <a:effectLst/>
+                <a:latin typeface="ui-monospace"/>
+              </a:rPr>
+              <a:t>string</a:t>
+            </a:r>
+            <a:r>
+              <a:rPr lang="pt-BR" b="0" i="0" dirty="0">
+                <a:solidFill>
+                  <a:srgbClr val="C9D1D9"/>
+                </a:solidFill>
+                <a:effectLst/>
+                <a:latin typeface="ui-monospace"/>
+              </a:rPr>
+              <a:t>, ela não poderá ser alterada.</a:t>
+            </a:r>
+          </a:p>
+          <a:p>
+            <a:endParaRPr lang="pt-BR" b="0" i="0" dirty="0">
+              <a:solidFill>
+                <a:srgbClr val="C9D1D9"/>
+              </a:solidFill>
+              <a:effectLst/>
+              <a:latin typeface="ui-monospace"/>
+            </a:endParaRPr>
+          </a:p>
+          <a:p>
             <a:endParaRPr lang="en-US" dirty="0"/>
           </a:p>
         </p:txBody>
@@ -7858,7 +8056,7 @@
     </p:spTree>
     <p:extLst>
       <p:ext uri="{BB962C8B-B14F-4D97-AF65-F5344CB8AC3E}">
-        <p14:creationId xmlns:p14="http://schemas.microsoft.com/office/powerpoint/2010/main" val="3123330830"/>
+        <p14:creationId xmlns:p14="http://schemas.microsoft.com/office/powerpoint/2010/main" val="2947629483"/>
       </p:ext>
     </p:extLst>
   </p:cSld>
@@ -7890,7 +8088,7 @@
           <p:cNvPr id="2" name="Título 1">
             <a:extLst>
               <a:ext uri="{FF2B5EF4-FFF2-40B4-BE49-F238E27FC236}">
-                <a16:creationId xmlns:a16="http://schemas.microsoft.com/office/drawing/2014/main" id="{45FBA6B6-43C9-DD5D-D2EA-F7D928DBF6D4}"/>
+                <a16:creationId xmlns:a16="http://schemas.microsoft.com/office/drawing/2014/main" id="{93534816-49C9-A5A5-BACE-381FD4CBF5D1}"/>
               </a:ext>
             </a:extLst>
           </p:cNvPr>
@@ -7901,20 +8099,151 @@
             <p:ph type="title"/>
           </p:nvPr>
         </p:nvSpPr>
+        <p:spPr/>
+        <p:txBody>
+          <a:bodyPr/>
+          <a:lstStyle/>
+          <a:p>
+            <a:pPr algn="ctr"/>
+            <a:r>
+              <a:rPr lang="pt-BR" dirty="0"/>
+              <a:t>Características</a:t>
+            </a:r>
+            <a:endParaRPr lang="en-US" dirty="0"/>
+          </a:p>
+        </p:txBody>
+      </p:sp>
+      <p:sp>
+        <p:nvSpPr>
+          <p:cNvPr id="3" name="Espaço Reservado para Conteúdo 2">
+            <a:extLst>
+              <a:ext uri="{FF2B5EF4-FFF2-40B4-BE49-F238E27FC236}">
+                <a16:creationId xmlns:a16="http://schemas.microsoft.com/office/drawing/2014/main" id="{17B7E7AE-DDF3-B27A-A4E0-D0F0530CAE5C}"/>
+              </a:ext>
+            </a:extLst>
+          </p:cNvPr>
+          <p:cNvSpPr>
+            <a:spLocks noGrp="1"/>
+          </p:cNvSpPr>
+          <p:nvPr>
+            <p:ph idx="1"/>
+          </p:nvPr>
+        </p:nvSpPr>
         <p:spPr>
           <a:xfrm>
-            <a:off x="1393638" y="2728735"/>
-            <a:ext cx="9404723" cy="1400530"/>
+            <a:off x="1104293" y="1526796"/>
+            <a:ext cx="8946541" cy="4819475"/>
           </a:xfrm>
         </p:spPr>
         <p:txBody>
-          <a:bodyPr/>
+          <a:bodyPr>
+            <a:normAutofit/>
+          </a:bodyPr>
           <a:lstStyle/>
           <a:p>
-            <a:pPr algn="ctr"/>
-            <a:r>
-              <a:rPr lang="pt-BR" dirty="0"/>
-              <a:t>Sintaxe</a:t>
+            <a:r>
+              <a:rPr lang="pt-BR" b="0" i="0" dirty="0">
+                <a:solidFill>
+                  <a:srgbClr val="C9D1D9"/>
+                </a:solidFill>
+                <a:effectLst/>
+                <a:latin typeface="ui-monospace"/>
+              </a:rPr>
+              <a:t>Os elementos de um dicionário são armazenados de forma não ordenada, pois os elementos de cada chave são exclusivos daquela chave.</a:t>
+            </a:r>
+          </a:p>
+          <a:p>
+            <a:r>
+              <a:rPr lang="pt-BR" b="0" i="0" dirty="0">
+                <a:solidFill>
+                  <a:srgbClr val="C9D1D9"/>
+                </a:solidFill>
+                <a:effectLst/>
+                <a:latin typeface="ui-monospace"/>
+              </a:rPr>
+              <a:t>Porém, é possível duplicar o mesmo valor á chaves diferentes.</a:t>
+            </a:r>
+          </a:p>
+          <a:p>
+            <a:r>
+              <a:rPr lang="pt-BR" b="0" i="0" dirty="0">
+                <a:solidFill>
+                  <a:srgbClr val="C9D1D9"/>
+                </a:solidFill>
+                <a:effectLst/>
+                <a:latin typeface="ui-monospace"/>
+              </a:rPr>
+              <a:t>Dicionários também são mutáveis. isso significa que o dicionário pode ser modificado pela referência a uma associação no lado esquerdo de um comando de atribuição. Podemos redefinir o valor de uma chave ou deletar uma chave valor, com o comando "</a:t>
+            </a:r>
+            <a:r>
+              <a:rPr lang="pt-BR" b="0" i="0" dirty="0" err="1">
+                <a:solidFill>
+                  <a:srgbClr val="C9D1D9"/>
+                </a:solidFill>
+                <a:effectLst/>
+                <a:latin typeface="ui-monospace"/>
+              </a:rPr>
+              <a:t>del</a:t>
+            </a:r>
+            <a:r>
+              <a:rPr lang="pt-BR" b="0" i="0" dirty="0">
+                <a:solidFill>
+                  <a:srgbClr val="C9D1D9"/>
+                </a:solidFill>
+                <a:effectLst/>
+                <a:latin typeface="ui-monospace"/>
+              </a:rPr>
+              <a:t>".</a:t>
+            </a:r>
+          </a:p>
+          <a:p>
+            <a:r>
+              <a:rPr lang="pt-BR" b="0" i="0" dirty="0">
+                <a:solidFill>
+                  <a:srgbClr val="C9D1D9"/>
+                </a:solidFill>
+                <a:effectLst/>
+                <a:latin typeface="ui-monospace"/>
+              </a:rPr>
+              <a:t>É possível também deletar um único valor dentro </a:t>
+            </a:r>
+            <a:r>
+              <a:rPr lang="pt-BR" b="0" i="0" dirty="0" err="1">
+                <a:solidFill>
+                  <a:srgbClr val="C9D1D9"/>
+                </a:solidFill>
+                <a:effectLst/>
+                <a:latin typeface="ui-monospace"/>
+              </a:rPr>
+              <a:t>cda</a:t>
+            </a:r>
+            <a:r>
+              <a:rPr lang="pt-BR" b="0" i="0" dirty="0">
+                <a:solidFill>
+                  <a:srgbClr val="C9D1D9"/>
+                </a:solidFill>
+                <a:effectLst/>
+                <a:latin typeface="ui-monospace"/>
+              </a:rPr>
+              <a:t> chave, com o comando pop(), que irá receber a chave e o valor indicado e irá exclui-lo.</a:t>
+            </a:r>
+            <a:endParaRPr lang="pt-BR" dirty="0">
+              <a:solidFill>
+                <a:srgbClr val="C9D1D9"/>
+              </a:solidFill>
+              <a:latin typeface="ui-monospace"/>
+            </a:endParaRPr>
+          </a:p>
+          <a:p>
+            <a:r>
+              <a:rPr lang="pt-BR" b="0" i="0" dirty="0">
+                <a:solidFill>
+                  <a:srgbClr val="C9D1D9"/>
+                </a:solidFill>
+                <a:effectLst/>
+                <a:latin typeface="ui-monospace"/>
+              </a:rPr>
+              <a:t>Também é possível juntar dois dicionários com o comando update(), onde dois dicionários diferentes se unirão, subscrevendo o dicionário original.</a:t>
             </a:r>
             <a:endParaRPr lang="en-US" dirty="0"/>
           </a:p>
@@ -7923,7 +8252,7 @@
     </p:spTree>
     <p:extLst>
       <p:ext uri="{BB962C8B-B14F-4D97-AF65-F5344CB8AC3E}">
-        <p14:creationId xmlns:p14="http://schemas.microsoft.com/office/powerpoint/2010/main" val="1327325211"/>
+        <p14:creationId xmlns:p14="http://schemas.microsoft.com/office/powerpoint/2010/main" val="3123330830"/>
       </p:ext>
     </p:extLst>
   </p:cSld>
@@ -7955,7 +8284,7 @@
           <p:cNvPr id="2" name="Título 1">
             <a:extLst>
               <a:ext uri="{FF2B5EF4-FFF2-40B4-BE49-F238E27FC236}">
-                <a16:creationId xmlns:a16="http://schemas.microsoft.com/office/drawing/2014/main" id="{FF18CE33-C77C-B270-8E53-D2E6F8AB05CF}"/>
+                <a16:creationId xmlns:a16="http://schemas.microsoft.com/office/drawing/2014/main" id="{45FBA6B6-43C9-DD5D-D2EA-F7D928DBF6D4}"/>
               </a:ext>
             </a:extLst>
           </p:cNvPr>
@@ -7966,7 +8295,12 @@
             <p:ph type="title"/>
           </p:nvPr>
         </p:nvSpPr>
-        <p:spPr/>
+        <p:spPr>
+          <a:xfrm>
+            <a:off x="1393638" y="2728735"/>
+            <a:ext cx="9404723" cy="1400530"/>
+          </a:xfrm>
+        </p:spPr>
         <p:txBody>
           <a:bodyPr/>
           <a:lstStyle/>
@@ -7974,142 +8308,7 @@
             <a:pPr algn="ctr"/>
             <a:r>
               <a:rPr lang="pt-BR" dirty="0"/>
-              <a:t>Introdução</a:t>
-            </a:r>
-            <a:endParaRPr lang="en-US" dirty="0"/>
-          </a:p>
-        </p:txBody>
-      </p:sp>
-      <p:sp>
-        <p:nvSpPr>
-          <p:cNvPr id="3" name="Espaço Reservado para Conteúdo 2">
-            <a:extLst>
-              <a:ext uri="{FF2B5EF4-FFF2-40B4-BE49-F238E27FC236}">
-                <a16:creationId xmlns:a16="http://schemas.microsoft.com/office/drawing/2014/main" id="{9CAAC3C1-597A-7ACC-89AF-CFFBA5BEA96B}"/>
-              </a:ext>
-            </a:extLst>
-          </p:cNvPr>
-          <p:cNvSpPr>
-            <a:spLocks noGrp="1"/>
-          </p:cNvSpPr>
-          <p:nvPr>
-            <p:ph idx="1"/>
-          </p:nvPr>
-        </p:nvSpPr>
-        <p:spPr/>
-        <p:txBody>
-          <a:bodyPr/>
-          <a:lstStyle/>
-          <a:p>
-            <a:r>
-              <a:rPr lang="pt-BR" b="0" i="0" dirty="0">
-                <a:solidFill>
-                  <a:srgbClr val="C9D1D9"/>
-                </a:solidFill>
-                <a:effectLst/>
-                <a:latin typeface="ui-monospace"/>
-              </a:rPr>
-              <a:t>Os dicionários são coleções de itens e seus elementos são armazenados de forma não ordenada.</a:t>
-            </a:r>
-          </a:p>
-          <a:p>
-            <a:r>
-              <a:rPr lang="pt-BR" b="0" i="0" dirty="0">
-                <a:solidFill>
-                  <a:srgbClr val="C9D1D9"/>
-                </a:solidFill>
-                <a:effectLst/>
-                <a:latin typeface="ui-monospace"/>
-              </a:rPr>
-              <a:t>Seus elementos contém uma chave e valor, isto é:</a:t>
-            </a:r>
-            <a:endParaRPr lang="pt-BR" dirty="0">
-              <a:solidFill>
-                <a:srgbClr val="C9D1D9"/>
-              </a:solidFill>
-              <a:latin typeface="ui-monospace"/>
-            </a:endParaRPr>
-          </a:p>
-          <a:p>
-            <a:r>
-              <a:rPr lang="pt-BR" b="0" i="0" dirty="0">
-                <a:solidFill>
-                  <a:srgbClr val="C9D1D9"/>
-                </a:solidFill>
-                <a:effectLst/>
-                <a:latin typeface="ui-monospace"/>
-              </a:rPr>
-              <a:t>Uma chave que vai servir para posicionar</a:t>
-            </a:r>
-            <a:r>
-              <a:rPr lang="pt-BR" dirty="0">
-                <a:solidFill>
-                  <a:srgbClr val="C9D1D9"/>
-                </a:solidFill>
-                <a:latin typeface="ui-monospace"/>
-              </a:rPr>
-              <a:t> um</a:t>
-            </a:r>
-            <a:r>
-              <a:rPr lang="pt-BR" b="0" i="0" dirty="0">
-                <a:solidFill>
-                  <a:srgbClr val="C9D1D9"/>
-                </a:solidFill>
-                <a:effectLst/>
-                <a:latin typeface="ui-monospace"/>
-              </a:rPr>
-              <a:t> determinado elemento no dicionário.</a:t>
-            </a:r>
-          </a:p>
-          <a:p>
-            <a:r>
-              <a:rPr lang="pt-BR" b="0" i="0" dirty="0">
-                <a:solidFill>
-                  <a:srgbClr val="C9D1D9"/>
-                </a:solidFill>
-                <a:effectLst/>
-                <a:latin typeface="ui-monospace"/>
-              </a:rPr>
-              <a:t>Um valor que contém um valor</a:t>
-            </a:r>
-            <a:r>
-              <a:rPr lang="pt-BR" dirty="0">
-                <a:solidFill>
-                  <a:srgbClr val="C9D1D9"/>
-                </a:solidFill>
-                <a:latin typeface="ui-monospace"/>
-              </a:rPr>
-              <a:t> que </a:t>
-            </a:r>
-            <a:r>
-              <a:rPr lang="pt-BR" b="0" i="0" dirty="0">
-                <a:solidFill>
-                  <a:srgbClr val="C9D1D9"/>
-                </a:solidFill>
-                <a:effectLst/>
-                <a:latin typeface="ui-monospace"/>
-              </a:rPr>
-              <a:t> aceita diversos tipos de elementos como: listas, outros dicionários, inteiros, </a:t>
-            </a:r>
-            <a:r>
-              <a:rPr lang="pt-BR" b="0" i="0" dirty="0" err="1">
-                <a:solidFill>
-                  <a:srgbClr val="C9D1D9"/>
-                </a:solidFill>
-                <a:effectLst/>
-                <a:latin typeface="ui-monospace"/>
-              </a:rPr>
-              <a:t>strings</a:t>
-            </a:r>
-            <a:r>
-              <a:rPr lang="pt-BR" b="0" i="0" dirty="0">
-                <a:solidFill>
-                  <a:srgbClr val="C9D1D9"/>
-                </a:solidFill>
-                <a:effectLst/>
-                <a:latin typeface="ui-monospace"/>
-              </a:rPr>
-              <a:t> e etc.</a:t>
+              <a:t>Sintaxe</a:t>
             </a:r>
             <a:endParaRPr lang="en-US" dirty="0"/>
           </a:p>
@@ -8118,7 +8317,7 @@
     </p:spTree>
     <p:extLst>
       <p:ext uri="{BB962C8B-B14F-4D97-AF65-F5344CB8AC3E}">
-        <p14:creationId xmlns:p14="http://schemas.microsoft.com/office/powerpoint/2010/main" val="2960394574"/>
+        <p14:creationId xmlns:p14="http://schemas.microsoft.com/office/powerpoint/2010/main" val="1327325211"/>
       </p:ext>
     </p:extLst>
   </p:cSld>
@@ -9056,6 +9255,21 @@
 </file>
 
 <file path=customXml/item1.xml><?xml version="1.0" encoding="utf-8"?>
+<p:properties xmlns:p="http://schemas.microsoft.com/office/2006/metadata/properties" xmlns:xsi="http://www.w3.org/2001/XMLSchema-instance" xmlns:pc="http://schemas.microsoft.com/office/infopath/2007/PartnerControls">
+  <documentManagement/>
+</p:properties>
+</file>
+
+<file path=customXml/item2.xml><?xml version="1.0" encoding="utf-8"?>
+<?mso-contentType ?>
+<FormTemplates xmlns="http://schemas.microsoft.com/sharepoint/v3/contenttype/forms">
+  <Display>DocumentLibraryForm</Display>
+  <Edit>DocumentLibraryForm</Edit>
+  <New>DocumentLibraryForm</New>
+</FormTemplates>
+</file>
+
+<file path=customXml/item3.xml><?xml version="1.0" encoding="utf-8"?>
 <ct:contentTypeSchema xmlns:ct="http://schemas.microsoft.com/office/2006/metadata/contentType" xmlns:ma="http://schemas.microsoft.com/office/2006/metadata/properties/metaAttributes" ct:_="" ma:_="" ma:contentTypeName="Document" ma:contentTypeID="0x0101005A47718307328A4C9B9C7B9328986AE7" ma:contentTypeVersion="2" ma:contentTypeDescription="Create a new document." ma:contentTypeScope="" ma:versionID="c2a7cad77558e289878723117f1250b6">
   <xsd:schema xmlns:xsd="http://www.w3.org/2001/XMLSchema" xmlns:xs="http://www.w3.org/2001/XMLSchema" xmlns:p="http://schemas.microsoft.com/office/2006/metadata/properties" xmlns:ns3="54848168-5674-4710-8f48-00957a5850ef" targetNamespace="http://schemas.microsoft.com/office/2006/metadata/properties" ma:root="true" ma:fieldsID="8a65a8b93d3b56945eb6d02c62c4768e" ns3:_="">
     <xsd:import namespace="54848168-5674-4710-8f48-00957a5850ef"/>
@@ -9187,22 +9401,31 @@
 </ct:contentTypeSchema>
 </file>
 
-<file path=customXml/item2.xml><?xml version="1.0" encoding="utf-8"?>
-<?mso-contentType ?>
-<FormTemplates xmlns="http://schemas.microsoft.com/sharepoint/v3/contenttype/forms">
-  <Display>DocumentLibraryForm</Display>
-  <Edit>DocumentLibraryForm</Edit>
-  <New>DocumentLibraryForm</New>
-</FormTemplates>
+<file path=customXml/itemProps1.xml><?xml version="1.0" encoding="utf-8"?>
+<ds:datastoreItem xmlns:ds="http://schemas.openxmlformats.org/officeDocument/2006/customXml" ds:itemID="{510FFCB4-6E0E-45CB-8511-29AA63EF618B}">
+  <ds:schemaRefs>
+    <ds:schemaRef ds:uri="http://purl.org/dc/dcmitype/"/>
+    <ds:schemaRef ds:uri="http://www.w3.org/XML/1998/namespace"/>
+    <ds:schemaRef ds:uri="http://schemas.microsoft.com/office/2006/documentManagement/types"/>
+    <ds:schemaRef ds:uri="http://purl.org/dc/terms/"/>
+    <ds:schemaRef ds:uri="http://schemas.openxmlformats.org/package/2006/metadata/core-properties"/>
+    <ds:schemaRef ds:uri="54848168-5674-4710-8f48-00957a5850ef"/>
+    <ds:schemaRef ds:uri="http://purl.org/dc/elements/1.1/"/>
+    <ds:schemaRef ds:uri="http://schemas.microsoft.com/office/infopath/2007/PartnerControls"/>
+    <ds:schemaRef ds:uri="http://schemas.microsoft.com/office/2006/metadata/properties"/>
+  </ds:schemaRefs>
+</ds:datastoreItem>
 </file>
 
-<file path=customXml/item3.xml><?xml version="1.0" encoding="utf-8"?>
-<p:properties xmlns:p="http://schemas.microsoft.com/office/2006/metadata/properties" xmlns:xsi="http://www.w3.org/2001/XMLSchema-instance" xmlns:pc="http://schemas.microsoft.com/office/infopath/2007/PartnerControls">
-  <documentManagement/>
-</p:properties>
+<file path=customXml/itemProps2.xml><?xml version="1.0" encoding="utf-8"?>
+<ds:datastoreItem xmlns:ds="http://schemas.openxmlformats.org/officeDocument/2006/customXml" ds:itemID="{774163B9-BACE-4B64-B139-19897412154B}">
+  <ds:schemaRefs>
+    <ds:schemaRef ds:uri="http://schemas.microsoft.com/sharepoint/v3/contenttype/forms"/>
+  </ds:schemaRefs>
+</ds:datastoreItem>
 </file>
 
-<file path=customXml/itemProps1.xml><?xml version="1.0" encoding="utf-8"?>
+<file path=customXml/itemProps3.xml><?xml version="1.0" encoding="utf-8"?>
 <ds:datastoreItem xmlns:ds="http://schemas.openxmlformats.org/officeDocument/2006/customXml" ds:itemID="{F028A3E1-4111-48B7-B75B-197EFA34C6FE}">
   <ds:schemaRefs>
     <ds:schemaRef ds:uri="http://schemas.microsoft.com/office/2006/metadata/contentType"/>
@@ -9218,28 +9441,4 @@
     <ds:schemaRef ds:uri="http://schemas.microsoft.com/internal/obd"/>
   </ds:schemaRefs>
 </ds:datastoreItem>
-</file>
-
-<file path=customXml/itemProps2.xml><?xml version="1.0" encoding="utf-8"?>
-<ds:datastoreItem xmlns:ds="http://schemas.openxmlformats.org/officeDocument/2006/customXml" ds:itemID="{774163B9-BACE-4B64-B139-19897412154B}">
-  <ds:schemaRefs>
-    <ds:schemaRef ds:uri="http://schemas.microsoft.com/sharepoint/v3/contenttype/forms"/>
-  </ds:schemaRefs>
-</ds:datastoreItem>
-</file>
-
-<file path=customXml/itemProps3.xml><?xml version="1.0" encoding="utf-8"?>
-<ds:datastoreItem xmlns:ds="http://schemas.openxmlformats.org/officeDocument/2006/customXml" ds:itemID="{510FFCB4-6E0E-45CB-8511-29AA63EF618B}">
-  <ds:schemaRefs>
-    <ds:schemaRef ds:uri="http://purl.org/dc/dcmitype/"/>
-    <ds:schemaRef ds:uri="http://www.w3.org/XML/1998/namespace"/>
-    <ds:schemaRef ds:uri="http://schemas.microsoft.com/office/2006/documentManagement/types"/>
-    <ds:schemaRef ds:uri="http://purl.org/dc/terms/"/>
-    <ds:schemaRef ds:uri="http://schemas.openxmlformats.org/package/2006/metadata/core-properties"/>
-    <ds:schemaRef ds:uri="54848168-5674-4710-8f48-00957a5850ef"/>
-    <ds:schemaRef ds:uri="http://purl.org/dc/elements/1.1/"/>
-    <ds:schemaRef ds:uri="http://schemas.microsoft.com/office/infopath/2007/PartnerControls"/>
-    <ds:schemaRef ds:uri="http://schemas.microsoft.com/office/2006/metadata/properties"/>
-  </ds:schemaRefs>
-</ds:datastoreItem>
 </file>